--- a/docs/logo.pptx
+++ b/docs/logo.pptx
@@ -5,7 +5,8 @@
     <p:sldMasterId id="2147483648" r:id="rId1"/>
   </p:sldMasterIdLst>
   <p:sldIdLst>
-    <p:sldId id="256" r:id="rId2"/>
+    <p:sldId id="258" r:id="rId2"/>
+    <p:sldId id="257" r:id="rId3"/>
   </p:sldIdLst>
   <p:sldSz cx="12192000" cy="6858000"/>
   <p:notesSz cx="6858000" cy="9144000"/>
@@ -104,6 +105,11 @@
       </a:defRPr>
     </a:lvl9pPr>
   </p:defaultTextStyle>
+  <p:extLst>
+    <p:ext uri="{EFAFB233-063F-42B5-8137-9DF3F51BA10A}">
+      <p15:sldGuideLst xmlns:p15="http://schemas.microsoft.com/office/powerpoint/2012/main"/>
+    </p:ext>
+  </p:extLst>
 </p:presentation>
 </file>
 
@@ -254,7 +260,7 @@
           <a:p>
             <a:fld id="{FB90FFB9-3887-6B43-B7EE-D81D514A6566}" type="datetimeFigureOut">
               <a:rPr kumimoji="1" lang="ja-JP" altLang="en-US" smtClean="0"/>
-              <a:t>2019/10/31</a:t>
+              <a:t>2020/2/11</a:t>
             </a:fld>
             <a:endParaRPr kumimoji="1" lang="ja-JP" altLang="en-US"/>
           </a:p>
@@ -459,7 +465,7 @@
           <a:p>
             <a:fld id="{FB90FFB9-3887-6B43-B7EE-D81D514A6566}" type="datetimeFigureOut">
               <a:rPr kumimoji="1" lang="ja-JP" altLang="en-US" smtClean="0"/>
-              <a:t>2019/10/31</a:t>
+              <a:t>2020/2/11</a:t>
             </a:fld>
             <a:endParaRPr kumimoji="1" lang="ja-JP" altLang="en-US"/>
           </a:p>
@@ -674,7 +680,7 @@
           <a:p>
             <a:fld id="{FB90FFB9-3887-6B43-B7EE-D81D514A6566}" type="datetimeFigureOut">
               <a:rPr kumimoji="1" lang="ja-JP" altLang="en-US" smtClean="0"/>
-              <a:t>2019/10/31</a:t>
+              <a:t>2020/2/11</a:t>
             </a:fld>
             <a:endParaRPr kumimoji="1" lang="ja-JP" altLang="en-US"/>
           </a:p>
@@ -879,7 +885,7 @@
           <a:p>
             <a:fld id="{FB90FFB9-3887-6B43-B7EE-D81D514A6566}" type="datetimeFigureOut">
               <a:rPr kumimoji="1" lang="ja-JP" altLang="en-US" smtClean="0"/>
-              <a:t>2019/10/31</a:t>
+              <a:t>2020/2/11</a:t>
             </a:fld>
             <a:endParaRPr kumimoji="1" lang="ja-JP" altLang="en-US"/>
           </a:p>
@@ -1189,7 +1195,7 @@
           <a:p>
             <a:fld id="{FB90FFB9-3887-6B43-B7EE-D81D514A6566}" type="datetimeFigureOut">
               <a:rPr kumimoji="1" lang="ja-JP" altLang="en-US" smtClean="0"/>
-              <a:t>2019/10/31</a:t>
+              <a:t>2020/2/11</a:t>
             </a:fld>
             <a:endParaRPr kumimoji="1" lang="ja-JP" altLang="en-US"/>
           </a:p>
@@ -1468,7 +1474,7 @@
           <a:p>
             <a:fld id="{FB90FFB9-3887-6B43-B7EE-D81D514A6566}" type="datetimeFigureOut">
               <a:rPr kumimoji="1" lang="ja-JP" altLang="en-US" smtClean="0"/>
-              <a:t>2019/10/31</a:t>
+              <a:t>2020/2/11</a:t>
             </a:fld>
             <a:endParaRPr kumimoji="1" lang="ja-JP" altLang="en-US"/>
           </a:p>
@@ -1964,7 +1970,7 @@
           <a:p>
             <a:fld id="{FB90FFB9-3887-6B43-B7EE-D81D514A6566}" type="datetimeFigureOut">
               <a:rPr kumimoji="1" lang="ja-JP" altLang="en-US" smtClean="0"/>
-              <a:t>2019/10/31</a:t>
+              <a:t>2020/2/11</a:t>
             </a:fld>
             <a:endParaRPr kumimoji="1" lang="ja-JP" altLang="en-US"/>
           </a:p>
@@ -2105,7 +2111,7 @@
           <a:p>
             <a:fld id="{FB90FFB9-3887-6B43-B7EE-D81D514A6566}" type="datetimeFigureOut">
               <a:rPr kumimoji="1" lang="ja-JP" altLang="en-US" smtClean="0"/>
-              <a:t>2019/10/31</a:t>
+              <a:t>2020/2/11</a:t>
             </a:fld>
             <a:endParaRPr kumimoji="1" lang="ja-JP" altLang="en-US"/>
           </a:p>
@@ -2218,7 +2224,7 @@
           <a:p>
             <a:fld id="{FB90FFB9-3887-6B43-B7EE-D81D514A6566}" type="datetimeFigureOut">
               <a:rPr kumimoji="1" lang="ja-JP" altLang="en-US" smtClean="0"/>
-              <a:t>2019/10/31</a:t>
+              <a:t>2020/2/11</a:t>
             </a:fld>
             <a:endParaRPr kumimoji="1" lang="ja-JP" altLang="en-US"/>
           </a:p>
@@ -2571,7 +2577,7 @@
           <a:p>
             <a:fld id="{FB90FFB9-3887-6B43-B7EE-D81D514A6566}" type="datetimeFigureOut">
               <a:rPr kumimoji="1" lang="ja-JP" altLang="en-US" smtClean="0"/>
-              <a:t>2019/10/31</a:t>
+              <a:t>2020/2/11</a:t>
             </a:fld>
             <a:endParaRPr kumimoji="1" lang="ja-JP" altLang="en-US"/>
           </a:p>
@@ -2894,7 +2900,7 @@
           <a:p>
             <a:fld id="{FB90FFB9-3887-6B43-B7EE-D81D514A6566}" type="datetimeFigureOut">
               <a:rPr kumimoji="1" lang="ja-JP" altLang="en-US" smtClean="0"/>
-              <a:t>2019/10/31</a:t>
+              <a:t>2020/2/11</a:t>
             </a:fld>
             <a:endParaRPr kumimoji="1" lang="ja-JP" altLang="en-US"/>
           </a:p>
@@ -3142,7 +3148,7 @@
           <a:p>
             <a:fld id="{FB90FFB9-3887-6B43-B7EE-D81D514A6566}" type="datetimeFigureOut">
               <a:rPr kumimoji="1" lang="ja-JP" altLang="en-US" smtClean="0"/>
-              <a:t>2019/10/31</a:t>
+              <a:t>2020/2/11</a:t>
             </a:fld>
             <a:endParaRPr kumimoji="1" lang="ja-JP" altLang="en-US"/>
           </a:p>
@@ -3561,10 +3567,10 @@
       </p:grpSpPr>
       <p:sp>
         <p:nvSpPr>
-          <p:cNvPr id="4" name="円弧 3">
-            <a:extLst>
-              <a:ext uri="{FF2B5EF4-FFF2-40B4-BE49-F238E27FC236}">
-                <a16:creationId xmlns:a16="http://schemas.microsoft.com/office/drawing/2014/main" id="{E7DB1F7C-0C7C-0145-904D-598A876CA231}"/>
+          <p:cNvPr id="2" name="角丸四角形 1">
+            <a:extLst>
+              <a:ext uri="{FF2B5EF4-FFF2-40B4-BE49-F238E27FC236}">
+                <a16:creationId xmlns:a16="http://schemas.microsoft.com/office/drawing/2014/main" id="{D6E9D295-ECB1-8141-9987-045F1A030BFB}"/>
               </a:ext>
             </a:extLst>
           </p:cNvPr>
@@ -3573,7 +3579,57 @@
         </p:nvSpPr>
         <p:spPr>
           <a:xfrm>
-            <a:off x="5038226" y="2163126"/>
+            <a:off x="4759703" y="1945311"/>
+            <a:ext cx="2520000" cy="2520000"/>
+          </a:xfrm>
+          <a:prstGeom prst="roundRect">
+            <a:avLst/>
+          </a:prstGeom>
+          <a:noFill/>
+          <a:ln>
+            <a:noFill/>
+          </a:ln>
+        </p:spPr>
+        <p:style>
+          <a:lnRef idx="2">
+            <a:schemeClr val="accent1">
+              <a:shade val="50000"/>
+            </a:schemeClr>
+          </a:lnRef>
+          <a:fillRef idx="1">
+            <a:schemeClr val="accent1"/>
+          </a:fillRef>
+          <a:effectRef idx="0">
+            <a:schemeClr val="accent1"/>
+          </a:effectRef>
+          <a:fontRef idx="minor">
+            <a:schemeClr val="lt1"/>
+          </a:fontRef>
+        </p:style>
+        <p:txBody>
+          <a:bodyPr rtlCol="0" anchor="ctr"/>
+          <a:lstStyle/>
+          <a:p>
+            <a:pPr algn="ctr"/>
+            <a:endParaRPr kumimoji="1" lang="ja-JP" altLang="en-US"/>
+          </a:p>
+        </p:txBody>
+      </p:sp>
+      <p:sp>
+        <p:nvSpPr>
+          <p:cNvPr id="4" name="円弧 3">
+            <a:extLst>
+              <a:ext uri="{FF2B5EF4-FFF2-40B4-BE49-F238E27FC236}">
+                <a16:creationId xmlns:a16="http://schemas.microsoft.com/office/drawing/2014/main" id="{E7DB1F7C-0C7C-0145-904D-598A876CA231}"/>
+              </a:ext>
+            </a:extLst>
+          </p:cNvPr>
+          <p:cNvSpPr/>
+          <p:nvPr/>
+        </p:nvSpPr>
+        <p:spPr>
+          <a:xfrm rot="2286486">
+            <a:off x="4526037" y="1926363"/>
             <a:ext cx="1116000" cy="2784297"/>
           </a:xfrm>
           <a:prstGeom prst="arc">
@@ -3582,12 +3638,9 @@
               <a:gd name="adj2" fmla="val 0"/>
             </a:avLst>
           </a:prstGeom>
-          <a:ln w="95250" cap="sq">
+          <a:ln w="222250" cap="sq">
             <a:solidFill>
-              <a:schemeClr val="tx1">
-                <a:lumMod val="95000"/>
-                <a:lumOff val="5000"/>
-              </a:schemeClr>
+              <a:schemeClr val="accent1"/>
             </a:solidFill>
             <a:headEnd type="diamond" w="sm" len="med"/>
           </a:ln>
@@ -3628,8 +3681,8 @@
           <p:nvPr/>
         </p:nvSpPr>
         <p:spPr>
-          <a:xfrm flipH="1">
-            <a:off x="6154226" y="2163126"/>
+          <a:xfrm rot="2286486" flipH="1">
+            <a:off x="5404159" y="2615100"/>
             <a:ext cx="1116000" cy="2784297"/>
           </a:xfrm>
           <a:prstGeom prst="arc">
@@ -3639,12 +3692,9 @@
             </a:avLst>
           </a:prstGeom>
           <a:noFill/>
-          <a:ln w="95250" cap="sq">
+          <a:ln w="222250" cap="sq">
             <a:solidFill>
-              <a:schemeClr val="tx1">
-                <a:lumMod val="95000"/>
-                <a:lumOff val="5000"/>
-              </a:schemeClr>
+              <a:schemeClr val="accent1"/>
             </a:solidFill>
             <a:headEnd type="diamond" w="sm" len="med"/>
           </a:ln>
@@ -3687,19 +3737,16 @@
           <p:nvPr/>
         </p:nvCxnSpPr>
         <p:spPr>
-          <a:xfrm flipH="1">
-            <a:off x="6154225" y="2014151"/>
+          <a:xfrm rot="2286486" flipH="1">
+            <a:off x="5903431" y="2253117"/>
             <a:ext cx="1" cy="1849694"/>
           </a:xfrm>
           <a:prstGeom prst="line">
             <a:avLst/>
           </a:prstGeom>
-          <a:ln w="95250">
+          <a:ln w="222250">
             <a:solidFill>
-              <a:schemeClr val="tx1">
-                <a:lumMod val="95000"/>
-                <a:lumOff val="5000"/>
-              </a:schemeClr>
+              <a:schemeClr val="accent1"/>
             </a:solidFill>
           </a:ln>
         </p:spPr>
@@ -3720,10 +3767,10 @@
       </p:cxnSp>
       <p:sp>
         <p:nvSpPr>
-          <p:cNvPr id="12" name="ひし形 11">
-            <a:extLst>
-              <a:ext uri="{FF2B5EF4-FFF2-40B4-BE49-F238E27FC236}">
-                <a16:creationId xmlns:a16="http://schemas.microsoft.com/office/drawing/2014/main" id="{50B67A1F-AF7D-AC42-A637-A4A50867279C}"/>
+          <p:cNvPr id="17" name="円弧 16">
+            <a:extLst>
+              <a:ext uri="{FF2B5EF4-FFF2-40B4-BE49-F238E27FC236}">
+                <a16:creationId xmlns:a16="http://schemas.microsoft.com/office/drawing/2014/main" id="{C20B2F4D-B4F4-3941-A7E8-3BE220C03A1D}"/>
               </a:ext>
             </a:extLst>
           </p:cNvPr>
@@ -3731,18 +3778,97 @@
           <p:nvPr/>
         </p:nvSpPr>
         <p:spPr>
+          <a:xfrm rot="2286486" flipH="1" flipV="1">
+            <a:off x="5296295" y="3636545"/>
+            <a:ext cx="347815" cy="741405"/>
+          </a:xfrm>
+          <a:prstGeom prst="arc">
+            <a:avLst>
+              <a:gd name="adj1" fmla="val 10633689"/>
+              <a:gd name="adj2" fmla="val 0"/>
+            </a:avLst>
+          </a:prstGeom>
+          <a:ln w="139700">
+            <a:solidFill>
+              <a:schemeClr val="accent5"/>
+            </a:solidFill>
+          </a:ln>
+        </p:spPr>
+        <p:style>
+          <a:lnRef idx="1">
+            <a:schemeClr val="accent1"/>
+          </a:lnRef>
+          <a:fillRef idx="0">
+            <a:schemeClr val="accent1"/>
+          </a:fillRef>
+          <a:effectRef idx="0">
+            <a:schemeClr val="accent1"/>
+          </a:effectRef>
+          <a:fontRef idx="minor">
+            <a:schemeClr val="tx1"/>
+          </a:fontRef>
+        </p:style>
+        <p:txBody>
+          <a:bodyPr rtlCol="0" anchor="ctr"/>
+          <a:lstStyle/>
+          <a:p>
+            <a:pPr algn="ctr"/>
+            <a:endParaRPr kumimoji="1" lang="ja-JP" altLang="en-US"/>
+          </a:p>
+        </p:txBody>
+      </p:sp>
+    </p:spTree>
+    <p:extLst>
+      <p:ext uri="{BB962C8B-B14F-4D97-AF65-F5344CB8AC3E}">
+        <p14:creationId xmlns:p14="http://schemas.microsoft.com/office/powerpoint/2010/main" val="3463873465"/>
+      </p:ext>
+    </p:extLst>
+  </p:cSld>
+  <p:clrMapOvr>
+    <a:masterClrMapping/>
+  </p:clrMapOvr>
+</p:sld>
+</file>
+
+<file path=ppt/slides/slide2.xml><?xml version="1.0" encoding="utf-8"?>
+<p:sld xmlns:a="http://schemas.openxmlformats.org/drawingml/2006/main" xmlns:r="http://schemas.openxmlformats.org/officeDocument/2006/relationships" xmlns:p="http://schemas.openxmlformats.org/presentationml/2006/main">
+  <p:cSld>
+    <p:spTree>
+      <p:nvGrpSpPr>
+        <p:cNvPr id="1" name=""/>
+        <p:cNvGrpSpPr/>
+        <p:nvPr/>
+      </p:nvGrpSpPr>
+      <p:grpSpPr>
+        <a:xfrm>
+          <a:off x="0" y="0"/>
+          <a:ext cx="0" cy="0"/>
+          <a:chOff x="0" y="0"/>
+          <a:chExt cx="0" cy="0"/>
+        </a:xfrm>
+      </p:grpSpPr>
+      <p:sp>
+        <p:nvSpPr>
+          <p:cNvPr id="2" name="角丸四角形 1">
+            <a:extLst>
+              <a:ext uri="{FF2B5EF4-FFF2-40B4-BE49-F238E27FC236}">
+                <a16:creationId xmlns:a16="http://schemas.microsoft.com/office/drawing/2014/main" id="{D6E9D295-ECB1-8141-9987-045F1A030BFB}"/>
+              </a:ext>
+            </a:extLst>
+          </p:cNvPr>
+          <p:cNvSpPr/>
+          <p:nvPr/>
+        </p:nvSpPr>
+        <p:spPr>
           <a:xfrm>
-            <a:off x="6067116" y="2422269"/>
-            <a:ext cx="174218" cy="296562"/>
+            <a:off x="4759703" y="1945311"/>
+            <a:ext cx="2520000" cy="2520000"/>
           </a:xfrm>
-          <a:prstGeom prst="diamond">
+          <a:prstGeom prst="roundRect">
             <a:avLst/>
           </a:prstGeom>
           <a:solidFill>
-            <a:schemeClr val="tx1">
-              <a:lumMod val="95000"/>
-              <a:lumOff val="5000"/>
-            </a:schemeClr>
+            <a:schemeClr val="bg1"/>
           </a:solidFill>
           <a:ln>
             <a:noFill/>
@@ -3775,10 +3901,10 @@
       </p:sp>
       <p:sp>
         <p:nvSpPr>
-          <p:cNvPr id="17" name="円弧 16">
-            <a:extLst>
-              <a:ext uri="{FF2B5EF4-FFF2-40B4-BE49-F238E27FC236}">
-                <a16:creationId xmlns:a16="http://schemas.microsoft.com/office/drawing/2014/main" id="{C20B2F4D-B4F4-3941-A7E8-3BE220C03A1D}"/>
+          <p:cNvPr id="4" name="円弧 3">
+            <a:extLst>
+              <a:ext uri="{FF2B5EF4-FFF2-40B4-BE49-F238E27FC236}">
+                <a16:creationId xmlns:a16="http://schemas.microsoft.com/office/drawing/2014/main" id="{E7DB1F7C-0C7C-0145-904D-598A876CA231}"/>
               </a:ext>
             </a:extLst>
           </p:cNvPr>
@@ -3786,21 +3912,125 @@
           <p:nvPr/>
         </p:nvSpPr>
         <p:spPr>
-          <a:xfrm flipH="1" flipV="1">
-            <a:off x="6154222" y="3810150"/>
-            <a:ext cx="1116000" cy="741405"/>
+          <a:xfrm rot="2286486">
+            <a:off x="4526037" y="1926363"/>
+            <a:ext cx="1116000" cy="2784297"/>
           </a:xfrm>
           <a:prstGeom prst="arc">
             <a:avLst>
-              <a:gd name="adj1" fmla="val 10633689"/>
+              <a:gd name="adj1" fmla="val 14426489"/>
               <a:gd name="adj2" fmla="val 0"/>
             </a:avLst>
           </a:prstGeom>
-          <a:ln w="60325">
+          <a:ln w="222250" cap="sq">
             <a:solidFill>
-              <a:schemeClr val="accent4">
-                <a:lumMod val="50000"/>
-              </a:schemeClr>
+              <a:schemeClr val="accent1"/>
+            </a:solidFill>
+            <a:headEnd type="diamond" w="sm" len="med"/>
+          </a:ln>
+        </p:spPr>
+        <p:style>
+          <a:lnRef idx="1">
+            <a:schemeClr val="accent1"/>
+          </a:lnRef>
+          <a:fillRef idx="0">
+            <a:schemeClr val="accent1"/>
+          </a:fillRef>
+          <a:effectRef idx="0">
+            <a:schemeClr val="accent1"/>
+          </a:effectRef>
+          <a:fontRef idx="minor">
+            <a:schemeClr val="tx1"/>
+          </a:fontRef>
+        </p:style>
+        <p:txBody>
+          <a:bodyPr rtlCol="0" anchor="ctr"/>
+          <a:lstStyle/>
+          <a:p>
+            <a:pPr algn="ctr"/>
+            <a:endParaRPr kumimoji="1" lang="ja-JP" altLang="en-US"/>
+          </a:p>
+        </p:txBody>
+      </p:sp>
+      <p:sp>
+        <p:nvSpPr>
+          <p:cNvPr id="6" name="円弧 5">
+            <a:extLst>
+              <a:ext uri="{FF2B5EF4-FFF2-40B4-BE49-F238E27FC236}">
+                <a16:creationId xmlns:a16="http://schemas.microsoft.com/office/drawing/2014/main" id="{5935F431-B754-E643-9904-66DF7B3491AF}"/>
+              </a:ext>
+            </a:extLst>
+          </p:cNvPr>
+          <p:cNvSpPr/>
+          <p:nvPr/>
+        </p:nvSpPr>
+        <p:spPr>
+          <a:xfrm rot="2286486" flipH="1">
+            <a:off x="5404159" y="2615100"/>
+            <a:ext cx="1116000" cy="2784297"/>
+          </a:xfrm>
+          <a:prstGeom prst="arc">
+            <a:avLst>
+              <a:gd name="adj1" fmla="val 14426489"/>
+              <a:gd name="adj2" fmla="val 0"/>
+            </a:avLst>
+          </a:prstGeom>
+          <a:noFill/>
+          <a:ln w="222250" cap="sq">
+            <a:solidFill>
+              <a:schemeClr val="accent1"/>
+            </a:solidFill>
+            <a:headEnd type="diamond" w="sm" len="med"/>
+          </a:ln>
+        </p:spPr>
+        <p:style>
+          <a:lnRef idx="1">
+            <a:schemeClr val="accent1"/>
+          </a:lnRef>
+          <a:fillRef idx="0">
+            <a:schemeClr val="accent1"/>
+          </a:fillRef>
+          <a:effectRef idx="0">
+            <a:schemeClr val="accent1"/>
+          </a:effectRef>
+          <a:fontRef idx="minor">
+            <a:schemeClr val="tx1"/>
+          </a:fontRef>
+        </p:style>
+        <p:txBody>
+          <a:bodyPr rtlCol="0" anchor="ctr"/>
+          <a:lstStyle/>
+          <a:p>
+            <a:pPr algn="ctr"/>
+            <a:endParaRPr kumimoji="1" lang="ja-JP" altLang="en-US"/>
+          </a:p>
+        </p:txBody>
+      </p:sp>
+      <p:cxnSp>
+        <p:nvCxnSpPr>
+          <p:cNvPr id="10" name="直線コネクタ 9">
+            <a:extLst>
+              <a:ext uri="{FF2B5EF4-FFF2-40B4-BE49-F238E27FC236}">
+                <a16:creationId xmlns:a16="http://schemas.microsoft.com/office/drawing/2014/main" id="{5C6A344D-88FE-114B-96E3-D91414E654F7}"/>
+              </a:ext>
+            </a:extLst>
+          </p:cNvPr>
+          <p:cNvCxnSpPr>
+            <a:cxnSpLocks/>
+          </p:cNvCxnSpPr>
+          <p:nvPr/>
+        </p:nvCxnSpPr>
+        <p:spPr>
+          <a:xfrm rot="2286486" flipH="1">
+            <a:off x="5903431" y="2253117"/>
+            <a:ext cx="1" cy="1849694"/>
+          </a:xfrm>
+          <a:prstGeom prst="line">
+            <a:avLst/>
+          </a:prstGeom>
+          <a:ln w="222250">
+            <a:solidFill>
+              <a:schemeClr val="accent1"/>
             </a:solidFill>
           </a:ln>
         </p:spPr>
@@ -3818,21 +4048,13 @@
             <a:schemeClr val="tx1"/>
           </a:fontRef>
         </p:style>
-        <p:txBody>
-          <a:bodyPr rtlCol="0" anchor="ctr"/>
-          <a:lstStyle/>
-          <a:p>
-            <a:pPr algn="ctr"/>
-            <a:endParaRPr kumimoji="1" lang="ja-JP" altLang="en-US"/>
-          </a:p>
-        </p:txBody>
-      </p:sp>
-      <p:sp>
-        <p:nvSpPr>
-          <p:cNvPr id="19" name="円/楕円 18">
-            <a:extLst>
-              <a:ext uri="{FF2B5EF4-FFF2-40B4-BE49-F238E27FC236}">
-                <a16:creationId xmlns:a16="http://schemas.microsoft.com/office/drawing/2014/main" id="{8DCC8744-26BD-DB4E-A8AE-BBF3F3C0933C}"/>
+      </p:cxnSp>
+      <p:sp>
+        <p:nvSpPr>
+          <p:cNvPr id="17" name="円弧 16">
+            <a:extLst>
+              <a:ext uri="{FF2B5EF4-FFF2-40B4-BE49-F238E27FC236}">
+                <a16:creationId xmlns:a16="http://schemas.microsoft.com/office/drawing/2014/main" id="{C20B2F4D-B4F4-3941-A7E8-3BE220C03A1D}"/>
               </a:ext>
             </a:extLst>
           </p:cNvPr>
@@ -3840,129 +4062,19 @@
           <p:nvPr/>
         </p:nvSpPr>
         <p:spPr>
-          <a:xfrm>
-            <a:off x="6024478" y="3810150"/>
-            <a:ext cx="259492" cy="478093"/>
-          </a:xfrm>
-          <a:prstGeom prst="ellipse">
-            <a:avLst/>
-          </a:prstGeom>
-          <a:solidFill>
-            <a:schemeClr val="accent4">
-              <a:lumMod val="50000"/>
-            </a:schemeClr>
-          </a:solidFill>
-          <a:ln>
-            <a:noFill/>
-          </a:ln>
-        </p:spPr>
-        <p:style>
-          <a:lnRef idx="2">
-            <a:schemeClr val="accent1">
-              <a:shade val="50000"/>
-            </a:schemeClr>
-          </a:lnRef>
-          <a:fillRef idx="1">
-            <a:schemeClr val="accent1"/>
-          </a:fillRef>
-          <a:effectRef idx="0">
-            <a:schemeClr val="accent1"/>
-          </a:effectRef>
-          <a:fontRef idx="minor">
-            <a:schemeClr val="lt1"/>
-          </a:fontRef>
-        </p:style>
-        <p:txBody>
-          <a:bodyPr rtlCol="0" anchor="ctr"/>
-          <a:lstStyle/>
-          <a:p>
-            <a:pPr algn="ctr"/>
-            <a:endParaRPr kumimoji="1" lang="ja-JP" altLang="en-US"/>
-          </a:p>
-        </p:txBody>
-      </p:sp>
-      <p:sp>
-        <p:nvSpPr>
-          <p:cNvPr id="22" name="角丸四角形 21">
-            <a:extLst>
-              <a:ext uri="{FF2B5EF4-FFF2-40B4-BE49-F238E27FC236}">
-                <a16:creationId xmlns:a16="http://schemas.microsoft.com/office/drawing/2014/main" id="{337670B3-3C9F-7D43-A838-3DBD9E1C9827}"/>
-              </a:ext>
-            </a:extLst>
-          </p:cNvPr>
-          <p:cNvSpPr/>
-          <p:nvPr/>
-        </p:nvSpPr>
-        <p:spPr>
-          <a:xfrm>
-            <a:off x="7084870" y="3233651"/>
-            <a:ext cx="370703" cy="976184"/>
-          </a:xfrm>
-          <a:prstGeom prst="roundRect">
-            <a:avLst/>
-          </a:prstGeom>
-          <a:solidFill>
-            <a:schemeClr val="accent4">
-              <a:lumMod val="50000"/>
-            </a:schemeClr>
-          </a:solidFill>
-          <a:ln>
-            <a:noFill/>
-          </a:ln>
-        </p:spPr>
-        <p:style>
-          <a:lnRef idx="2">
-            <a:schemeClr val="accent1">
-              <a:shade val="50000"/>
-            </a:schemeClr>
-          </a:lnRef>
-          <a:fillRef idx="1">
-            <a:schemeClr val="accent1"/>
-          </a:fillRef>
-          <a:effectRef idx="0">
-            <a:schemeClr val="accent1"/>
-          </a:effectRef>
-          <a:fontRef idx="minor">
-            <a:schemeClr val="lt1"/>
-          </a:fontRef>
-        </p:style>
-        <p:txBody>
-          <a:bodyPr rtlCol="0" anchor="ctr"/>
-          <a:lstStyle/>
-          <a:p>
-            <a:pPr algn="ctr"/>
-            <a:endParaRPr kumimoji="1" lang="ja-JP" altLang="en-US"/>
-          </a:p>
-        </p:txBody>
-      </p:sp>
-      <p:sp>
-        <p:nvSpPr>
-          <p:cNvPr id="23" name="円弧 22">
-            <a:extLst>
-              <a:ext uri="{FF2B5EF4-FFF2-40B4-BE49-F238E27FC236}">
-                <a16:creationId xmlns:a16="http://schemas.microsoft.com/office/drawing/2014/main" id="{1DD95178-DC99-3346-89E7-601B5793FA59}"/>
-              </a:ext>
-            </a:extLst>
-          </p:cNvPr>
-          <p:cNvSpPr/>
-          <p:nvPr/>
-        </p:nvSpPr>
-        <p:spPr>
-          <a:xfrm flipH="1">
-            <a:off x="7219062" y="2877664"/>
-            <a:ext cx="1116000" cy="1070619"/>
+          <a:xfrm rot="2286486" flipH="1" flipV="1">
+            <a:off x="5296295" y="3636545"/>
+            <a:ext cx="347815" cy="741405"/>
           </a:xfrm>
           <a:prstGeom prst="arc">
             <a:avLst>
-              <a:gd name="adj1" fmla="val 18058671"/>
+              <a:gd name="adj1" fmla="val 10633689"/>
               <a:gd name="adj2" fmla="val 0"/>
             </a:avLst>
           </a:prstGeom>
-          <a:ln w="60325">
+          <a:ln w="139700">
             <a:solidFill>
-              <a:schemeClr val="accent4">
-                <a:lumMod val="50000"/>
-              </a:schemeClr>
+              <a:schemeClr val="accent5"/>
             </a:solidFill>
           </a:ln>
         </p:spPr>
@@ -3992,7 +4104,7 @@
     </p:spTree>
     <p:extLst>
       <p:ext uri="{BB962C8B-B14F-4D97-AF65-F5344CB8AC3E}">
-        <p14:creationId xmlns:p14="http://schemas.microsoft.com/office/powerpoint/2010/main" val="3228020525"/>
+        <p14:creationId xmlns:p14="http://schemas.microsoft.com/office/powerpoint/2010/main" val="1099017522"/>
       </p:ext>
     </p:extLst>
   </p:cSld>

--- a/docs/logo.pptx
+++ b/docs/logo.pptx
@@ -260,7 +260,7 @@
           <a:p>
             <a:fld id="{FB90FFB9-3887-6B43-B7EE-D81D514A6566}" type="datetimeFigureOut">
               <a:rPr kumimoji="1" lang="ja-JP" altLang="en-US" smtClean="0"/>
-              <a:t>2020/2/11</a:t>
+              <a:t>2020/2/15</a:t>
             </a:fld>
             <a:endParaRPr kumimoji="1" lang="ja-JP" altLang="en-US"/>
           </a:p>
@@ -465,7 +465,7 @@
           <a:p>
             <a:fld id="{FB90FFB9-3887-6B43-B7EE-D81D514A6566}" type="datetimeFigureOut">
               <a:rPr kumimoji="1" lang="ja-JP" altLang="en-US" smtClean="0"/>
-              <a:t>2020/2/11</a:t>
+              <a:t>2020/2/15</a:t>
             </a:fld>
             <a:endParaRPr kumimoji="1" lang="ja-JP" altLang="en-US"/>
           </a:p>
@@ -680,7 +680,7 @@
           <a:p>
             <a:fld id="{FB90FFB9-3887-6B43-B7EE-D81D514A6566}" type="datetimeFigureOut">
               <a:rPr kumimoji="1" lang="ja-JP" altLang="en-US" smtClean="0"/>
-              <a:t>2020/2/11</a:t>
+              <a:t>2020/2/15</a:t>
             </a:fld>
             <a:endParaRPr kumimoji="1" lang="ja-JP" altLang="en-US"/>
           </a:p>
@@ -885,7 +885,7 @@
           <a:p>
             <a:fld id="{FB90FFB9-3887-6B43-B7EE-D81D514A6566}" type="datetimeFigureOut">
               <a:rPr kumimoji="1" lang="ja-JP" altLang="en-US" smtClean="0"/>
-              <a:t>2020/2/11</a:t>
+              <a:t>2020/2/15</a:t>
             </a:fld>
             <a:endParaRPr kumimoji="1" lang="ja-JP" altLang="en-US"/>
           </a:p>
@@ -1195,7 +1195,7 @@
           <a:p>
             <a:fld id="{FB90FFB9-3887-6B43-B7EE-D81D514A6566}" type="datetimeFigureOut">
               <a:rPr kumimoji="1" lang="ja-JP" altLang="en-US" smtClean="0"/>
-              <a:t>2020/2/11</a:t>
+              <a:t>2020/2/15</a:t>
             </a:fld>
             <a:endParaRPr kumimoji="1" lang="ja-JP" altLang="en-US"/>
           </a:p>
@@ -1474,7 +1474,7 @@
           <a:p>
             <a:fld id="{FB90FFB9-3887-6B43-B7EE-D81D514A6566}" type="datetimeFigureOut">
               <a:rPr kumimoji="1" lang="ja-JP" altLang="en-US" smtClean="0"/>
-              <a:t>2020/2/11</a:t>
+              <a:t>2020/2/15</a:t>
             </a:fld>
             <a:endParaRPr kumimoji="1" lang="ja-JP" altLang="en-US"/>
           </a:p>
@@ -1970,7 +1970,7 @@
           <a:p>
             <a:fld id="{FB90FFB9-3887-6B43-B7EE-D81D514A6566}" type="datetimeFigureOut">
               <a:rPr kumimoji="1" lang="ja-JP" altLang="en-US" smtClean="0"/>
-              <a:t>2020/2/11</a:t>
+              <a:t>2020/2/15</a:t>
             </a:fld>
             <a:endParaRPr kumimoji="1" lang="ja-JP" altLang="en-US"/>
           </a:p>
@@ -2111,7 +2111,7 @@
           <a:p>
             <a:fld id="{FB90FFB9-3887-6B43-B7EE-D81D514A6566}" type="datetimeFigureOut">
               <a:rPr kumimoji="1" lang="ja-JP" altLang="en-US" smtClean="0"/>
-              <a:t>2020/2/11</a:t>
+              <a:t>2020/2/15</a:t>
             </a:fld>
             <a:endParaRPr kumimoji="1" lang="ja-JP" altLang="en-US"/>
           </a:p>
@@ -2224,7 +2224,7 @@
           <a:p>
             <a:fld id="{FB90FFB9-3887-6B43-B7EE-D81D514A6566}" type="datetimeFigureOut">
               <a:rPr kumimoji="1" lang="ja-JP" altLang="en-US" smtClean="0"/>
-              <a:t>2020/2/11</a:t>
+              <a:t>2020/2/15</a:t>
             </a:fld>
             <a:endParaRPr kumimoji="1" lang="ja-JP" altLang="en-US"/>
           </a:p>
@@ -2577,7 +2577,7 @@
           <a:p>
             <a:fld id="{FB90FFB9-3887-6B43-B7EE-D81D514A6566}" type="datetimeFigureOut">
               <a:rPr kumimoji="1" lang="ja-JP" altLang="en-US" smtClean="0"/>
-              <a:t>2020/2/11</a:t>
+              <a:t>2020/2/15</a:t>
             </a:fld>
             <a:endParaRPr kumimoji="1" lang="ja-JP" altLang="en-US"/>
           </a:p>
@@ -2900,7 +2900,7 @@
           <a:p>
             <a:fld id="{FB90FFB9-3887-6B43-B7EE-D81D514A6566}" type="datetimeFigureOut">
               <a:rPr kumimoji="1" lang="ja-JP" altLang="en-US" smtClean="0"/>
-              <a:t>2020/2/11</a:t>
+              <a:t>2020/2/15</a:t>
             </a:fld>
             <a:endParaRPr kumimoji="1" lang="ja-JP" altLang="en-US"/>
           </a:p>
@@ -3148,7 +3148,7 @@
           <a:p>
             <a:fld id="{FB90FFB9-3887-6B43-B7EE-D81D514A6566}" type="datetimeFigureOut">
               <a:rPr kumimoji="1" lang="ja-JP" altLang="en-US" smtClean="0"/>
-              <a:t>2020/2/11</a:t>
+              <a:t>2020/2/15</a:t>
             </a:fld>
             <a:endParaRPr kumimoji="1" lang="ja-JP" altLang="en-US"/>
           </a:p>
@@ -3567,6 +3567,50 @@
       </p:grpSpPr>
       <p:sp>
         <p:nvSpPr>
+          <p:cNvPr id="5" name="円/楕円 4">
+            <a:extLst>
+              <a:ext uri="{FF2B5EF4-FFF2-40B4-BE49-F238E27FC236}">
+                <a16:creationId xmlns:a16="http://schemas.microsoft.com/office/drawing/2014/main" id="{C52708DA-DE0C-BD47-B68F-DEA9BEC2702F}"/>
+              </a:ext>
+            </a:extLst>
+          </p:cNvPr>
+          <p:cNvSpPr/>
+          <p:nvPr/>
+        </p:nvSpPr>
+        <p:spPr>
+          <a:xfrm>
+            <a:off x="8886860" y="1945311"/>
+            <a:ext cx="2520779" cy="2520000"/>
+          </a:xfrm>
+          <a:prstGeom prst="ellipse">
+            <a:avLst/>
+          </a:prstGeom>
+        </p:spPr>
+        <p:style>
+          <a:lnRef idx="2">
+            <a:schemeClr val="accent6"/>
+          </a:lnRef>
+          <a:fillRef idx="1">
+            <a:schemeClr val="lt1"/>
+          </a:fillRef>
+          <a:effectRef idx="0">
+            <a:schemeClr val="accent6"/>
+          </a:effectRef>
+          <a:fontRef idx="minor">
+            <a:schemeClr val="dk1"/>
+          </a:fontRef>
+        </p:style>
+        <p:txBody>
+          <a:bodyPr rtlCol="0" anchor="ctr"/>
+          <a:lstStyle/>
+          <a:p>
+            <a:pPr algn="ctr"/>
+            <a:endParaRPr kumimoji="1" lang="ja-JP" altLang="en-US"/>
+          </a:p>
+        </p:txBody>
+      </p:sp>
+      <p:sp>
+        <p:nvSpPr>
           <p:cNvPr id="2" name="角丸四角形 1">
             <a:extLst>
               <a:ext uri="{FF2B5EF4-FFF2-40B4-BE49-F238E27FC236}">
@@ -3629,7 +3673,7 @@
         </p:nvSpPr>
         <p:spPr>
           <a:xfrm rot="2286486">
-            <a:off x="4526037" y="1926363"/>
+            <a:off x="4698612" y="1874993"/>
             <a:ext cx="1116000" cy="2784297"/>
           </a:xfrm>
           <a:prstGeom prst="arc">
@@ -3682,7 +3726,7 @@
         </p:nvSpPr>
         <p:spPr>
           <a:xfrm rot="2286486" flipH="1">
-            <a:off x="5404159" y="2615100"/>
+            <a:off x="5576734" y="2563730"/>
             <a:ext cx="1116000" cy="2784297"/>
           </a:xfrm>
           <a:prstGeom prst="arc">
@@ -3738,7 +3782,7 @@
         </p:nvCxnSpPr>
         <p:spPr>
           <a:xfrm rot="2286486" flipH="1">
-            <a:off x="5903431" y="2253117"/>
+            <a:off x="6076006" y="2201747"/>
             <a:ext cx="1" cy="1849694"/>
           </a:xfrm>
           <a:prstGeom prst="line">
@@ -3779,7 +3823,7 @@
         </p:nvSpPr>
         <p:spPr>
           <a:xfrm rot="2286486" flipH="1" flipV="1">
-            <a:off x="5296295" y="3636545"/>
+            <a:off x="5468870" y="3585175"/>
             <a:ext cx="347815" cy="741405"/>
           </a:xfrm>
           <a:prstGeom prst="arc">
@@ -3833,6 +3877,14 @@
 <file path=ppt/slides/slide2.xml><?xml version="1.0" encoding="utf-8"?>
 <p:sld xmlns:a="http://schemas.openxmlformats.org/drawingml/2006/main" xmlns:r="http://schemas.openxmlformats.org/officeDocument/2006/relationships" xmlns:p="http://schemas.openxmlformats.org/presentationml/2006/main">
   <p:cSld>
+    <p:bg>
+      <p:bgPr>
+        <a:solidFill>
+          <a:schemeClr val="tx1"/>
+        </a:solidFill>
+        <a:effectLst/>
+      </p:bgPr>
+    </p:bg>
     <p:spTree>
       <p:nvGrpSpPr>
         <p:cNvPr id="1" name=""/>
@@ -3849,10 +3901,10 @@
       </p:grpSpPr>
       <p:sp>
         <p:nvSpPr>
-          <p:cNvPr id="2" name="角丸四角形 1">
-            <a:extLst>
-              <a:ext uri="{FF2B5EF4-FFF2-40B4-BE49-F238E27FC236}">
-                <a16:creationId xmlns:a16="http://schemas.microsoft.com/office/drawing/2014/main" id="{D6E9D295-ECB1-8141-9987-045F1A030BFB}"/>
+          <p:cNvPr id="22" name="角丸四角形 21">
+            <a:extLst>
+              <a:ext uri="{FF2B5EF4-FFF2-40B4-BE49-F238E27FC236}">
+                <a16:creationId xmlns:a16="http://schemas.microsoft.com/office/drawing/2014/main" id="{8CF5BD3A-0659-CA42-B40F-5F3EEED9CF09}"/>
               </a:ext>
             </a:extLst>
           </p:cNvPr>
@@ -3901,10 +3953,10 @@
       </p:sp>
       <p:sp>
         <p:nvSpPr>
-          <p:cNvPr id="4" name="円弧 3">
-            <a:extLst>
-              <a:ext uri="{FF2B5EF4-FFF2-40B4-BE49-F238E27FC236}">
-                <a16:creationId xmlns:a16="http://schemas.microsoft.com/office/drawing/2014/main" id="{E7DB1F7C-0C7C-0145-904D-598A876CA231}"/>
+          <p:cNvPr id="23" name="円弧 22">
+            <a:extLst>
+              <a:ext uri="{FF2B5EF4-FFF2-40B4-BE49-F238E27FC236}">
+                <a16:creationId xmlns:a16="http://schemas.microsoft.com/office/drawing/2014/main" id="{30CA7ED6-8EA1-3546-88F7-8A412CB5CC5A}"/>
               </a:ext>
             </a:extLst>
           </p:cNvPr>
@@ -3913,7 +3965,7 @@
         </p:nvSpPr>
         <p:spPr>
           <a:xfrm rot="2286486">
-            <a:off x="4526037" y="1926363"/>
+            <a:off x="4698612" y="1874993"/>
             <a:ext cx="1116000" cy="2784297"/>
           </a:xfrm>
           <a:prstGeom prst="arc">
@@ -3954,10 +4006,10 @@
       </p:sp>
       <p:sp>
         <p:nvSpPr>
-          <p:cNvPr id="6" name="円弧 5">
-            <a:extLst>
-              <a:ext uri="{FF2B5EF4-FFF2-40B4-BE49-F238E27FC236}">
-                <a16:creationId xmlns:a16="http://schemas.microsoft.com/office/drawing/2014/main" id="{5935F431-B754-E643-9904-66DF7B3491AF}"/>
+          <p:cNvPr id="24" name="円弧 23">
+            <a:extLst>
+              <a:ext uri="{FF2B5EF4-FFF2-40B4-BE49-F238E27FC236}">
+                <a16:creationId xmlns:a16="http://schemas.microsoft.com/office/drawing/2014/main" id="{557693EE-4306-BF47-9ADB-323B2D5B8E68}"/>
               </a:ext>
             </a:extLst>
           </p:cNvPr>
@@ -3966,7 +4018,7 @@
         </p:nvSpPr>
         <p:spPr>
           <a:xfrm rot="2286486" flipH="1">
-            <a:off x="5404159" y="2615100"/>
+            <a:off x="5576734" y="2563730"/>
             <a:ext cx="1116000" cy="2784297"/>
           </a:xfrm>
           <a:prstGeom prst="arc">
@@ -4008,10 +4060,10 @@
       </p:sp>
       <p:cxnSp>
         <p:nvCxnSpPr>
-          <p:cNvPr id="10" name="直線コネクタ 9">
-            <a:extLst>
-              <a:ext uri="{FF2B5EF4-FFF2-40B4-BE49-F238E27FC236}">
-                <a16:creationId xmlns:a16="http://schemas.microsoft.com/office/drawing/2014/main" id="{5C6A344D-88FE-114B-96E3-D91414E654F7}"/>
+          <p:cNvPr id="25" name="直線コネクタ 24">
+            <a:extLst>
+              <a:ext uri="{FF2B5EF4-FFF2-40B4-BE49-F238E27FC236}">
+                <a16:creationId xmlns:a16="http://schemas.microsoft.com/office/drawing/2014/main" id="{B98AEB31-9B4F-6A48-AEDC-72DAFF7FD0D5}"/>
               </a:ext>
             </a:extLst>
           </p:cNvPr>
@@ -4022,7 +4074,7 @@
         </p:nvCxnSpPr>
         <p:spPr>
           <a:xfrm rot="2286486" flipH="1">
-            <a:off x="5903431" y="2253117"/>
+            <a:off x="6076006" y="2201747"/>
             <a:ext cx="1" cy="1849694"/>
           </a:xfrm>
           <a:prstGeom prst="line">
@@ -4051,10 +4103,10 @@
       </p:cxnSp>
       <p:sp>
         <p:nvSpPr>
-          <p:cNvPr id="17" name="円弧 16">
-            <a:extLst>
-              <a:ext uri="{FF2B5EF4-FFF2-40B4-BE49-F238E27FC236}">
-                <a16:creationId xmlns:a16="http://schemas.microsoft.com/office/drawing/2014/main" id="{C20B2F4D-B4F4-3941-A7E8-3BE220C03A1D}"/>
+          <p:cNvPr id="26" name="円弧 25">
+            <a:extLst>
+              <a:ext uri="{FF2B5EF4-FFF2-40B4-BE49-F238E27FC236}">
+                <a16:creationId xmlns:a16="http://schemas.microsoft.com/office/drawing/2014/main" id="{1865FD90-C82E-CB4C-8F56-73E724C5A697}"/>
               </a:ext>
             </a:extLst>
           </p:cNvPr>
@@ -4063,7 +4115,7 @@
         </p:nvSpPr>
         <p:spPr>
           <a:xfrm rot="2286486" flipH="1" flipV="1">
-            <a:off x="5296295" y="3636545"/>
+            <a:off x="5468870" y="3585175"/>
             <a:ext cx="347815" cy="741405"/>
           </a:xfrm>
           <a:prstGeom prst="arc">
@@ -4090,6 +4142,58 @@
           </a:effectRef>
           <a:fontRef idx="minor">
             <a:schemeClr val="tx1"/>
+          </a:fontRef>
+        </p:style>
+        <p:txBody>
+          <a:bodyPr rtlCol="0" anchor="ctr"/>
+          <a:lstStyle/>
+          <a:p>
+            <a:pPr algn="ctr"/>
+            <a:endParaRPr kumimoji="1" lang="ja-JP" altLang="en-US"/>
+          </a:p>
+        </p:txBody>
+      </p:sp>
+      <p:sp>
+        <p:nvSpPr>
+          <p:cNvPr id="29" name="角丸四角形 28">
+            <a:extLst>
+              <a:ext uri="{FF2B5EF4-FFF2-40B4-BE49-F238E27FC236}">
+                <a16:creationId xmlns:a16="http://schemas.microsoft.com/office/drawing/2014/main" id="{18B99D4A-B59F-6544-9C0A-0A7FD20BCEBB}"/>
+              </a:ext>
+            </a:extLst>
+          </p:cNvPr>
+          <p:cNvSpPr>
+            <a:spLocks noChangeAspect="1"/>
+          </p:cNvSpPr>
+          <p:nvPr/>
+        </p:nvSpPr>
+        <p:spPr>
+          <a:xfrm>
+            <a:off x="4579703" y="1765311"/>
+            <a:ext cx="2880000" cy="2880000"/>
+          </a:xfrm>
+          <a:prstGeom prst="roundRect">
+            <a:avLst/>
+          </a:prstGeom>
+          <a:noFill/>
+          <a:ln>
+            <a:noFill/>
+          </a:ln>
+        </p:spPr>
+        <p:style>
+          <a:lnRef idx="2">
+            <a:schemeClr val="accent1">
+              <a:shade val="50000"/>
+            </a:schemeClr>
+          </a:lnRef>
+          <a:fillRef idx="1">
+            <a:schemeClr val="accent1"/>
+          </a:fillRef>
+          <a:effectRef idx="0">
+            <a:schemeClr val="accent1"/>
+          </a:effectRef>
+          <a:fontRef idx="minor">
+            <a:schemeClr val="lt1"/>
           </a:fontRef>
         </p:style>
         <p:txBody>
